--- a/AI-DataQuality Analyst/Module4-Statistical Tools and Usage/4.1 Session1(16th-0p)/Statistical Tools and Usage.pptx
+++ b/AI-DataQuality Analyst/Module4-Statistical Tools and Usage/4.1 Session1(16th-0p)/Statistical Tools and Usage.pptx
@@ -5,20 +5,18 @@
     <p:sldMasterId id="2147483648" r:id="rId1"/>
   </p:sldMasterIdLst>
   <p:notesMasterIdLst>
-    <p:notesMasterId r:id="rId13"/>
+    <p:notesMasterId r:id="rId11"/>
   </p:notesMasterIdLst>
   <p:sldIdLst>
     <p:sldId id="257" r:id="rId2"/>
     <p:sldId id="256" r:id="rId3"/>
     <p:sldId id="259" r:id="rId4"/>
-    <p:sldId id="260" r:id="rId5"/>
-    <p:sldId id="267" r:id="rId6"/>
-    <p:sldId id="266" r:id="rId7"/>
-    <p:sldId id="262" r:id="rId8"/>
-    <p:sldId id="263" r:id="rId9"/>
-    <p:sldId id="264" r:id="rId10"/>
-    <p:sldId id="265" r:id="rId11"/>
-    <p:sldId id="261" r:id="rId12"/>
+    <p:sldId id="262" r:id="rId5"/>
+    <p:sldId id="263" r:id="rId6"/>
+    <p:sldId id="264" r:id="rId7"/>
+    <p:sldId id="261" r:id="rId8"/>
+    <p:sldId id="266" r:id="rId9"/>
+    <p:sldId id="265" r:id="rId10"/>
   </p:sldIdLst>
   <p:sldSz cx="12192000" cy="6858000"/>
   <p:notesSz cx="6858000" cy="9144000"/>
@@ -125,6 +123,229 @@
 </p:presentation>
 </file>
 
+<file path=ppt/changesInfos/changesInfo1.xml><?xml version="1.0" encoding="utf-8"?>
+<pc:chgInfo xmlns:a="http://schemas.openxmlformats.org/drawingml/2006/main" xmlns:r="http://schemas.openxmlformats.org/officeDocument/2006/relationships" xmlns:ac="http://schemas.microsoft.com/office/drawing/2013/main/command" xmlns:pc="http://schemas.microsoft.com/office/powerpoint/2013/main/command">
+  <pc:docChgLst>
+    <pc:chgData name="Krishna Kant Dubey" userId="cd28fa1e1902c48d" providerId="LiveId" clId="{23FAF012-5B0A-41CD-A770-B30B6B10D637}"/>
+    <pc:docChg chg="undo custSel addSld delSld modSld">
+      <pc:chgData name="Krishna Kant Dubey" userId="cd28fa1e1902c48d" providerId="LiveId" clId="{23FAF012-5B0A-41CD-A770-B30B6B10D637}" dt="2025-08-11T09:25:33.074" v="145" actId="313"/>
+      <pc:docMkLst>
+        <pc:docMk/>
+      </pc:docMkLst>
+      <pc:sldChg chg="modSp mod">
+        <pc:chgData name="Krishna Kant Dubey" userId="cd28fa1e1902c48d" providerId="LiveId" clId="{23FAF012-5B0A-41CD-A770-B30B6B10D637}" dt="2025-08-11T09:16:08.380" v="3" actId="207"/>
+        <pc:sldMkLst>
+          <pc:docMk/>
+          <pc:sldMk cId="1080327146" sldId="256"/>
+        </pc:sldMkLst>
+        <pc:spChg chg="mod">
+          <ac:chgData name="Krishna Kant Dubey" userId="cd28fa1e1902c48d" providerId="LiveId" clId="{23FAF012-5B0A-41CD-A770-B30B6B10D637}" dt="2025-08-11T09:16:08.380" v="3" actId="207"/>
+          <ac:spMkLst>
+            <pc:docMk/>
+            <pc:sldMk cId="1080327146" sldId="256"/>
+            <ac:spMk id="12" creationId="{941B6D05-14FE-733C-BADE-E07A8CDD1589}"/>
+          </ac:spMkLst>
+        </pc:spChg>
+      </pc:sldChg>
+      <pc:sldChg chg="addSp modSp">
+        <pc:chgData name="Krishna Kant Dubey" userId="cd28fa1e1902c48d" providerId="LiveId" clId="{23FAF012-5B0A-41CD-A770-B30B6B10D637}" dt="2025-08-11T08:25:15.447" v="0"/>
+        <pc:sldMkLst>
+          <pc:docMk/>
+          <pc:sldMk cId="2381247086" sldId="257"/>
+        </pc:sldMkLst>
+        <pc:picChg chg="add mod">
+          <ac:chgData name="Krishna Kant Dubey" userId="cd28fa1e1902c48d" providerId="LiveId" clId="{23FAF012-5B0A-41CD-A770-B30B6B10D637}" dt="2025-08-11T08:25:15.447" v="0"/>
+          <ac:picMkLst>
+            <pc:docMk/>
+            <pc:sldMk cId="2381247086" sldId="257"/>
+            <ac:picMk id="3" creationId="{49D86A38-3EE8-3EE8-6AF2-C0DB66DB3443}"/>
+          </ac:picMkLst>
+        </pc:picChg>
+      </pc:sldChg>
+      <pc:sldChg chg="del">
+        <pc:chgData name="Krishna Kant Dubey" userId="cd28fa1e1902c48d" providerId="LiveId" clId="{23FAF012-5B0A-41CD-A770-B30B6B10D637}" dt="2025-08-11T09:17:25.796" v="4" actId="2696"/>
+        <pc:sldMkLst>
+          <pc:docMk/>
+          <pc:sldMk cId="131540703" sldId="260"/>
+        </pc:sldMkLst>
+      </pc:sldChg>
+      <pc:sldChg chg="addSp modSp mod chgLayout">
+        <pc:chgData name="Krishna Kant Dubey" userId="cd28fa1e1902c48d" providerId="LiveId" clId="{23FAF012-5B0A-41CD-A770-B30B6B10D637}" dt="2025-08-11T09:25:12.461" v="144" actId="20577"/>
+        <pc:sldMkLst>
+          <pc:docMk/>
+          <pc:sldMk cId="1263864946" sldId="261"/>
+        </pc:sldMkLst>
+        <pc:spChg chg="add mod ord">
+          <ac:chgData name="Krishna Kant Dubey" userId="cd28fa1e1902c48d" providerId="LiveId" clId="{23FAF012-5B0A-41CD-A770-B30B6B10D637}" dt="2025-08-11T09:25:12.461" v="144" actId="20577"/>
+          <ac:spMkLst>
+            <pc:docMk/>
+            <pc:sldMk cId="1263864946" sldId="261"/>
+            <ac:spMk id="2" creationId="{1B6BB082-9179-056E-F41D-B0A9C2B44D53}"/>
+          </ac:spMkLst>
+        </pc:spChg>
+        <pc:spChg chg="mod ord">
+          <ac:chgData name="Krishna Kant Dubey" userId="cd28fa1e1902c48d" providerId="LiveId" clId="{23FAF012-5B0A-41CD-A770-B30B6B10D637}" dt="2025-08-11T09:22:55.889" v="112" actId="20577"/>
+          <ac:spMkLst>
+            <pc:docMk/>
+            <pc:sldMk cId="1263864946" sldId="261"/>
+            <ac:spMk id="12" creationId="{25BED996-97FE-4465-A247-9E0741B69D7B}"/>
+          </ac:spMkLst>
+        </pc:spChg>
+      </pc:sldChg>
+      <pc:sldChg chg="del">
+        <pc:chgData name="Krishna Kant Dubey" userId="cd28fa1e1902c48d" providerId="LiveId" clId="{23FAF012-5B0A-41CD-A770-B30B6B10D637}" dt="2025-08-11T09:17:25.796" v="4" actId="2696"/>
+        <pc:sldMkLst>
+          <pc:docMk/>
+          <pc:sldMk cId="1248854694" sldId="262"/>
+        </pc:sldMkLst>
+      </pc:sldChg>
+      <pc:sldChg chg="modSp add mod">
+        <pc:chgData name="Krishna Kant Dubey" userId="cd28fa1e1902c48d" providerId="LiveId" clId="{23FAF012-5B0A-41CD-A770-B30B6B10D637}" dt="2025-08-11T09:19:21.177" v="41" actId="108"/>
+        <pc:sldMkLst>
+          <pc:docMk/>
+          <pc:sldMk cId="2598328417" sldId="262"/>
+        </pc:sldMkLst>
+        <pc:spChg chg="mod">
+          <ac:chgData name="Krishna Kant Dubey" userId="cd28fa1e1902c48d" providerId="LiveId" clId="{23FAF012-5B0A-41CD-A770-B30B6B10D637}" dt="2025-08-11T09:18:18.463" v="8" actId="207"/>
+          <ac:spMkLst>
+            <pc:docMk/>
+            <pc:sldMk cId="2598328417" sldId="262"/>
+            <ac:spMk id="12" creationId="{2EC5EDB0-5954-5C92-6279-8C400875DEFB}"/>
+          </ac:spMkLst>
+        </pc:spChg>
+        <pc:spChg chg="mod">
+          <ac:chgData name="Krishna Kant Dubey" userId="cd28fa1e1902c48d" providerId="LiveId" clId="{23FAF012-5B0A-41CD-A770-B30B6B10D637}" dt="2025-08-11T09:19:21.177" v="41" actId="108"/>
+          <ac:spMkLst>
+            <pc:docMk/>
+            <pc:sldMk cId="2598328417" sldId="262"/>
+            <ac:spMk id="13" creationId="{57300145-5A1B-BC0F-1DFF-3950F1928C1E}"/>
+          </ac:spMkLst>
+        </pc:spChg>
+      </pc:sldChg>
+      <pc:sldChg chg="del">
+        <pc:chgData name="Krishna Kant Dubey" userId="cd28fa1e1902c48d" providerId="LiveId" clId="{23FAF012-5B0A-41CD-A770-B30B6B10D637}" dt="2025-08-11T09:17:25.796" v="4" actId="2696"/>
+        <pc:sldMkLst>
+          <pc:docMk/>
+          <pc:sldMk cId="2329110552" sldId="263"/>
+        </pc:sldMkLst>
+      </pc:sldChg>
+      <pc:sldChg chg="addSp delSp modSp add mod">
+        <pc:chgData name="Krishna Kant Dubey" userId="cd28fa1e1902c48d" providerId="LiveId" clId="{23FAF012-5B0A-41CD-A770-B30B6B10D637}" dt="2025-08-11T09:19:50.981" v="46" actId="1076"/>
+        <pc:sldMkLst>
+          <pc:docMk/>
+          <pc:sldMk cId="3202260991" sldId="263"/>
+        </pc:sldMkLst>
+        <pc:spChg chg="del mod">
+          <ac:chgData name="Krishna Kant Dubey" userId="cd28fa1e1902c48d" providerId="LiveId" clId="{23FAF012-5B0A-41CD-A770-B30B6B10D637}" dt="2025-08-11T09:19:45.012" v="44" actId="22"/>
+          <ac:spMkLst>
+            <pc:docMk/>
+            <pc:sldMk cId="3202260991" sldId="263"/>
+            <ac:spMk id="13" creationId="{C5AA96EE-04F8-6869-65AB-53DA3DDB9BB9}"/>
+          </ac:spMkLst>
+        </pc:spChg>
+        <pc:picChg chg="add mod ord">
+          <ac:chgData name="Krishna Kant Dubey" userId="cd28fa1e1902c48d" providerId="LiveId" clId="{23FAF012-5B0A-41CD-A770-B30B6B10D637}" dt="2025-08-11T09:19:50.981" v="46" actId="1076"/>
+          <ac:picMkLst>
+            <pc:docMk/>
+            <pc:sldMk cId="3202260991" sldId="263"/>
+            <ac:picMk id="3" creationId="{DF7C42D1-0422-B61C-480D-9559D4E22ECE}"/>
+          </ac:picMkLst>
+        </pc:picChg>
+      </pc:sldChg>
+      <pc:sldChg chg="addSp delSp modSp add mod">
+        <pc:chgData name="Krishna Kant Dubey" userId="cd28fa1e1902c48d" providerId="LiveId" clId="{23FAF012-5B0A-41CD-A770-B30B6B10D637}" dt="2025-08-11T09:25:33.074" v="145" actId="313"/>
+        <pc:sldMkLst>
+          <pc:docMk/>
+          <pc:sldMk cId="1345307526" sldId="264"/>
+        </pc:sldMkLst>
+        <pc:spChg chg="add del mod">
+          <ac:chgData name="Krishna Kant Dubey" userId="cd28fa1e1902c48d" providerId="LiveId" clId="{23FAF012-5B0A-41CD-A770-B30B6B10D637}" dt="2025-08-11T09:20:17.372" v="49" actId="3680"/>
+          <ac:spMkLst>
+            <pc:docMk/>
+            <pc:sldMk cId="1345307526" sldId="264"/>
+            <ac:spMk id="4" creationId="{100D3DA4-EA54-DC42-2639-C479E3504ED3}"/>
+          </ac:spMkLst>
+        </pc:spChg>
+        <pc:graphicFrameChg chg="add mod ord modGraphic">
+          <ac:chgData name="Krishna Kant Dubey" userId="cd28fa1e1902c48d" providerId="LiveId" clId="{23FAF012-5B0A-41CD-A770-B30B6B10D637}" dt="2025-08-11T09:25:33.074" v="145" actId="313"/>
+          <ac:graphicFrameMkLst>
+            <pc:docMk/>
+            <pc:sldMk cId="1345307526" sldId="264"/>
+            <ac:graphicFrameMk id="5" creationId="{21247396-68FE-E724-97EE-5F8928F1D1A8}"/>
+          </ac:graphicFrameMkLst>
+        </pc:graphicFrameChg>
+        <pc:picChg chg="del">
+          <ac:chgData name="Krishna Kant Dubey" userId="cd28fa1e1902c48d" providerId="LiveId" clId="{23FAF012-5B0A-41CD-A770-B30B6B10D637}" dt="2025-08-11T09:20:06.866" v="48" actId="478"/>
+          <ac:picMkLst>
+            <pc:docMk/>
+            <pc:sldMk cId="1345307526" sldId="264"/>
+            <ac:picMk id="3" creationId="{1256E363-2AE3-9A5C-1C1E-F33ECEE802B0}"/>
+          </ac:picMkLst>
+        </pc:picChg>
+      </pc:sldChg>
+      <pc:sldChg chg="del">
+        <pc:chgData name="Krishna Kant Dubey" userId="cd28fa1e1902c48d" providerId="LiveId" clId="{23FAF012-5B0A-41CD-A770-B30B6B10D637}" dt="2025-08-11T09:17:25.796" v="4" actId="2696"/>
+        <pc:sldMkLst>
+          <pc:docMk/>
+          <pc:sldMk cId="3334215418" sldId="264"/>
+        </pc:sldMkLst>
+      </pc:sldChg>
+      <pc:sldChg chg="del">
+        <pc:chgData name="Krishna Kant Dubey" userId="cd28fa1e1902c48d" providerId="LiveId" clId="{23FAF012-5B0A-41CD-A770-B30B6B10D637}" dt="2025-08-11T09:17:25.796" v="4" actId="2696"/>
+        <pc:sldMkLst>
+          <pc:docMk/>
+          <pc:sldMk cId="1195287565" sldId="265"/>
+        </pc:sldMkLst>
+      </pc:sldChg>
+      <pc:sldChg chg="add">
+        <pc:chgData name="Krishna Kant Dubey" userId="cd28fa1e1902c48d" providerId="LiveId" clId="{23FAF012-5B0A-41CD-A770-B30B6B10D637}" dt="2025-08-11T09:22:20.396" v="105" actId="2890"/>
+        <pc:sldMkLst>
+          <pc:docMk/>
+          <pc:sldMk cId="1255606367" sldId="265"/>
+        </pc:sldMkLst>
+      </pc:sldChg>
+      <pc:sldChg chg="del">
+        <pc:chgData name="Krishna Kant Dubey" userId="cd28fa1e1902c48d" providerId="LiveId" clId="{23FAF012-5B0A-41CD-A770-B30B6B10D637}" dt="2025-08-11T09:17:25.796" v="4" actId="2696"/>
+        <pc:sldMkLst>
+          <pc:docMk/>
+          <pc:sldMk cId="1370868504" sldId="266"/>
+        </pc:sldMkLst>
+      </pc:sldChg>
+      <pc:sldChg chg="addSp delSp modSp add mod">
+        <pc:chgData name="Krishna Kant Dubey" userId="cd28fa1e1902c48d" providerId="LiveId" clId="{23FAF012-5B0A-41CD-A770-B30B6B10D637}" dt="2025-08-11T09:25:01.144" v="143" actId="14100"/>
+        <pc:sldMkLst>
+          <pc:docMk/>
+          <pc:sldMk cId="2230316868" sldId="266"/>
+        </pc:sldMkLst>
+        <pc:spChg chg="del mod">
+          <ac:chgData name="Krishna Kant Dubey" userId="cd28fa1e1902c48d" providerId="LiveId" clId="{23FAF012-5B0A-41CD-A770-B30B6B10D637}" dt="2025-08-11T09:24:50.181" v="140" actId="22"/>
+          <ac:spMkLst>
+            <pc:docMk/>
+            <pc:sldMk cId="2230316868" sldId="266"/>
+            <ac:spMk id="2" creationId="{8A464998-BB3C-2085-9F59-9EFB9C91AD4E}"/>
+          </ac:spMkLst>
+        </pc:spChg>
+        <pc:picChg chg="add mod ord">
+          <ac:chgData name="Krishna Kant Dubey" userId="cd28fa1e1902c48d" providerId="LiveId" clId="{23FAF012-5B0A-41CD-A770-B30B6B10D637}" dt="2025-08-11T09:25:01.144" v="143" actId="14100"/>
+          <ac:picMkLst>
+            <pc:docMk/>
+            <pc:sldMk cId="2230316868" sldId="266"/>
+            <ac:picMk id="4" creationId="{DABF3E74-36EB-C351-97E0-F0C9D523FBA3}"/>
+          </ac:picMkLst>
+        </pc:picChg>
+      </pc:sldChg>
+      <pc:sldChg chg="del">
+        <pc:chgData name="Krishna Kant Dubey" userId="cd28fa1e1902c48d" providerId="LiveId" clId="{23FAF012-5B0A-41CD-A770-B30B6B10D637}" dt="2025-08-11T09:17:25.796" v="4" actId="2696"/>
+        <pc:sldMkLst>
+          <pc:docMk/>
+          <pc:sldMk cId="1337943040" sldId="267"/>
+        </pc:sldMkLst>
+      </pc:sldChg>
+    </pc:docChg>
+  </pc:docChgLst>
+</pc:chgInfo>
+</file>
+
 <file path=ppt/notesMasters/notesMaster1.xml><?xml version="1.0" encoding="utf-8"?>
 <p:notesMaster xmlns:a="http://schemas.openxmlformats.org/drawingml/2006/main" xmlns:r="http://schemas.openxmlformats.org/officeDocument/2006/relationships" xmlns:p="http://schemas.openxmlformats.org/presentationml/2006/main">
   <p:cSld>
@@ -207,7 +428,7 @@
           <a:p>
             <a:fld id="{771BC1E5-8BD3-45A8-A8D4-BE6B8D3F526F}" type="datetimeFigureOut">
               <a:rPr lang="en-IN" smtClean="0"/>
-              <a:t>28-07-2025</a:t>
+              <a:t>11-08-2025</a:t>
             </a:fld>
             <a:endParaRPr lang="en-IN"/>
           </a:p>
@@ -624,7 +845,7 @@
           <a:p>
             <a:fld id="{8B8265E5-5E35-4F50-869B-ACC7CF337DF9}" type="datetimeFigureOut">
               <a:rPr lang="en-IN" smtClean="0"/>
-              <a:t>28-07-2025</a:t>
+              <a:t>11-08-2025</a:t>
             </a:fld>
             <a:endParaRPr lang="en-IN"/>
           </a:p>
@@ -824,7 +1045,7 @@
           <a:p>
             <a:fld id="{8B8265E5-5E35-4F50-869B-ACC7CF337DF9}" type="datetimeFigureOut">
               <a:rPr lang="en-IN" smtClean="0"/>
-              <a:t>28-07-2025</a:t>
+              <a:t>11-08-2025</a:t>
             </a:fld>
             <a:endParaRPr lang="en-IN"/>
           </a:p>
@@ -1034,7 +1255,7 @@
           <a:p>
             <a:fld id="{8B8265E5-5E35-4F50-869B-ACC7CF337DF9}" type="datetimeFigureOut">
               <a:rPr lang="en-IN" smtClean="0"/>
-              <a:t>28-07-2025</a:t>
+              <a:t>11-08-2025</a:t>
             </a:fld>
             <a:endParaRPr lang="en-IN"/>
           </a:p>
@@ -1234,7 +1455,7 @@
           <a:p>
             <a:fld id="{8B8265E5-5E35-4F50-869B-ACC7CF337DF9}" type="datetimeFigureOut">
               <a:rPr lang="en-IN" smtClean="0"/>
-              <a:t>28-07-2025</a:t>
+              <a:t>11-08-2025</a:t>
             </a:fld>
             <a:endParaRPr lang="en-IN"/>
           </a:p>
@@ -1510,7 +1731,7 @@
           <a:p>
             <a:fld id="{8B8265E5-5E35-4F50-869B-ACC7CF337DF9}" type="datetimeFigureOut">
               <a:rPr lang="en-IN" smtClean="0"/>
-              <a:t>28-07-2025</a:t>
+              <a:t>11-08-2025</a:t>
             </a:fld>
             <a:endParaRPr lang="en-IN"/>
           </a:p>
@@ -1778,7 +1999,7 @@
           <a:p>
             <a:fld id="{8B8265E5-5E35-4F50-869B-ACC7CF337DF9}" type="datetimeFigureOut">
               <a:rPr lang="en-IN" smtClean="0"/>
-              <a:t>28-07-2025</a:t>
+              <a:t>11-08-2025</a:t>
             </a:fld>
             <a:endParaRPr lang="en-IN"/>
           </a:p>
@@ -2193,7 +2414,7 @@
           <a:p>
             <a:fld id="{8B8265E5-5E35-4F50-869B-ACC7CF337DF9}" type="datetimeFigureOut">
               <a:rPr lang="en-IN" smtClean="0"/>
-              <a:t>28-07-2025</a:t>
+              <a:t>11-08-2025</a:t>
             </a:fld>
             <a:endParaRPr lang="en-IN"/>
           </a:p>
@@ -2335,7 +2556,7 @@
           <a:p>
             <a:fld id="{8B8265E5-5E35-4F50-869B-ACC7CF337DF9}" type="datetimeFigureOut">
               <a:rPr lang="en-IN" smtClean="0"/>
-              <a:t>28-07-2025</a:t>
+              <a:t>11-08-2025</a:t>
             </a:fld>
             <a:endParaRPr lang="en-IN"/>
           </a:p>
@@ -2448,7 +2669,7 @@
           <a:p>
             <a:fld id="{8B8265E5-5E35-4F50-869B-ACC7CF337DF9}" type="datetimeFigureOut">
               <a:rPr lang="en-IN" smtClean="0"/>
-              <a:t>28-07-2025</a:t>
+              <a:t>11-08-2025</a:t>
             </a:fld>
             <a:endParaRPr lang="en-IN"/>
           </a:p>
@@ -2761,7 +2982,7 @@
           <a:p>
             <a:fld id="{8B8265E5-5E35-4F50-869B-ACC7CF337DF9}" type="datetimeFigureOut">
               <a:rPr lang="en-IN" smtClean="0"/>
-              <a:t>28-07-2025</a:t>
+              <a:t>11-08-2025</a:t>
             </a:fld>
             <a:endParaRPr lang="en-IN"/>
           </a:p>
@@ -3050,7 +3271,7 @@
           <a:p>
             <a:fld id="{8B8265E5-5E35-4F50-869B-ACC7CF337DF9}" type="datetimeFigureOut">
               <a:rPr lang="en-IN" smtClean="0"/>
-              <a:t>28-07-2025</a:t>
+              <a:t>11-08-2025</a:t>
             </a:fld>
             <a:endParaRPr lang="en-IN"/>
           </a:p>
@@ -3293,7 +3514,7 @@
           <a:p>
             <a:fld id="{8B8265E5-5E35-4F50-869B-ACC7CF337DF9}" type="datetimeFigureOut">
               <a:rPr lang="en-IN" smtClean="0"/>
-              <a:t>28-07-2025</a:t>
+              <a:t>11-08-2025</a:t>
             </a:fld>
             <a:endParaRPr lang="en-IN"/>
           </a:p>
@@ -3842,305 +4063,45 @@
           </a:p>
         </p:txBody>
       </p:sp>
-    </p:spTree>
-    <p:extLst>
-      <p:ext uri="{BB962C8B-B14F-4D97-AF65-F5344CB8AC3E}">
-        <p14:creationId xmlns:p14="http://schemas.microsoft.com/office/powerpoint/2010/main" val="2381247086"/>
-      </p:ext>
-    </p:extLst>
-  </p:cSld>
-  <p:clrMapOvr>
-    <a:masterClrMapping/>
-  </p:clrMapOvr>
-</p:sld>
-</file>
-
-<file path=ppt/slides/slide10.xml><?xml version="1.0" encoding="utf-8"?>
-<p:sld xmlns:a="http://schemas.openxmlformats.org/drawingml/2006/main" xmlns:r="http://schemas.openxmlformats.org/officeDocument/2006/relationships" xmlns:p="http://schemas.openxmlformats.org/presentationml/2006/main">
-  <p:cSld>
-    <p:spTree>
-      <p:nvGrpSpPr>
-        <p:cNvPr id="1" name="">
-          <a:extLst>
-            <a:ext uri="{FF2B5EF4-FFF2-40B4-BE49-F238E27FC236}">
-              <a16:creationId xmlns:a16="http://schemas.microsoft.com/office/drawing/2014/main" id="{BF4FBA5A-6499-8A35-6086-5B35D38E057E}"/>
-            </a:ext>
-          </a:extLst>
-        </p:cNvPr>
-        <p:cNvGrpSpPr/>
-        <p:nvPr/>
-      </p:nvGrpSpPr>
-      <p:grpSpPr>
-        <a:xfrm>
-          <a:off x="0" y="0"/>
-          <a:ext cx="0" cy="0"/>
-          <a:chOff x="0" y="0"/>
-          <a:chExt cx="0" cy="0"/>
-        </a:xfrm>
-      </p:grpSpPr>
       <p:pic>
         <p:nvPicPr>
-          <p:cNvPr id="9" name="Picture 8">
-            <a:extLst>
-              <a:ext uri="{FF2B5EF4-FFF2-40B4-BE49-F238E27FC236}">
-                <a16:creationId xmlns:a16="http://schemas.microsoft.com/office/drawing/2014/main" id="{73FF0F37-FC9B-A15F-415E-0129E11385F5}"/>
+          <p:cNvPr id="3" name="Content Placeholder 4">
+            <a:extLst>
+              <a:ext uri="{FF2B5EF4-FFF2-40B4-BE49-F238E27FC236}">
+                <a16:creationId xmlns:a16="http://schemas.microsoft.com/office/drawing/2014/main" id="{49D86A38-3EE8-3EE8-6AF2-C0DB66DB3443}"/>
               </a:ext>
             </a:extLst>
           </p:cNvPr>
           <p:cNvPicPr>
-            <a:picLocks noChangeAspect="1"/>
+            <a:picLocks noGrp="1" noChangeAspect="1"/>
           </p:cNvPicPr>
           <p:nvPr/>
         </p:nvPicPr>
         <p:blipFill>
-          <a:blip r:embed="rId2">
+          <a:blip r:embed="rId4">
             <a:extLst>
               <a:ext uri="{28A0092B-C50C-407E-A947-70E740481C1C}">
                 <a14:useLocalDpi xmlns:a14="http://schemas.microsoft.com/office/drawing/2010/main" val="0"/>
               </a:ext>
             </a:extLst>
           </a:blip>
-          <a:stretch>
-            <a:fillRect/>
-          </a:stretch>
+          <a:srcRect/>
+          <a:stretch/>
         </p:blipFill>
         <p:spPr>
           <a:xfrm>
-            <a:off x="0" y="0"/>
-            <a:ext cx="12192000" cy="6853293"/>
+            <a:off x="-3047" y="0"/>
+            <a:ext cx="12198095" cy="6858000"/>
           </a:xfrm>
           <a:prstGeom prst="rect">
             <a:avLst/>
           </a:prstGeom>
         </p:spPr>
       </p:pic>
-      <p:sp>
-        <p:nvSpPr>
-          <p:cNvPr id="12" name="Title 11">
-            <a:extLst>
-              <a:ext uri="{FF2B5EF4-FFF2-40B4-BE49-F238E27FC236}">
-                <a16:creationId xmlns:a16="http://schemas.microsoft.com/office/drawing/2014/main" id="{3437FF27-219F-D813-D37F-DDB2C5738BC8}"/>
-              </a:ext>
-            </a:extLst>
-          </p:cNvPr>
-          <p:cNvSpPr>
-            <a:spLocks noGrp="1"/>
-          </p:cNvSpPr>
-          <p:nvPr>
-            <p:ph type="title"/>
-          </p:nvPr>
-        </p:nvSpPr>
-        <p:spPr>
-          <a:xfrm>
-            <a:off x="838200" y="1363581"/>
-            <a:ext cx="10515600" cy="3076074"/>
-          </a:xfrm>
-        </p:spPr>
-        <p:txBody>
-          <a:bodyPr>
-            <a:normAutofit fontScale="90000"/>
-          </a:bodyPr>
-          <a:lstStyle/>
-          <a:p>
-            <a:r>
-              <a:rPr lang="en-US" b="1" dirty="0">
-                <a:solidFill>
-                  <a:srgbClr val="C00000"/>
-                </a:solidFill>
-              </a:rPr>
-              <a:t>Deep Learning</a:t>
-            </a:r>
-            <a:br>
-              <a:rPr lang="en-IN" dirty="0">
-                <a:solidFill>
-                  <a:srgbClr val="002060"/>
-                </a:solidFill>
-              </a:rPr>
-            </a:br>
-            <a:br>
-              <a:rPr lang="en-IN" dirty="0">
-                <a:solidFill>
-                  <a:srgbClr val="002060"/>
-                </a:solidFill>
-              </a:rPr>
-            </a:br>
-            <a:br>
-              <a:rPr lang="en-US" dirty="0">
-                <a:solidFill>
-                  <a:srgbClr val="002060"/>
-                </a:solidFill>
-              </a:rPr>
-            </a:br>
-            <a:br>
-              <a:rPr lang="en-US" dirty="0">
-                <a:solidFill>
-                  <a:srgbClr val="002060"/>
-                </a:solidFill>
-              </a:rPr>
-            </a:br>
-            <a:br>
-              <a:rPr lang="en-US" dirty="0">
-                <a:solidFill>
-                  <a:srgbClr val="002060"/>
-                </a:solidFill>
-              </a:rPr>
-            </a:br>
-            <a:endParaRPr lang="en-IN" b="1" dirty="0">
-              <a:solidFill>
-                <a:srgbClr val="FF0000"/>
-              </a:solidFill>
-            </a:endParaRPr>
-          </a:p>
-        </p:txBody>
-      </p:sp>
-      <p:sp>
-        <p:nvSpPr>
-          <p:cNvPr id="4" name="Content Placeholder 3">
-            <a:extLst>
-              <a:ext uri="{FF2B5EF4-FFF2-40B4-BE49-F238E27FC236}">
-                <a16:creationId xmlns:a16="http://schemas.microsoft.com/office/drawing/2014/main" id="{B93C4DBF-5000-13CE-0F3B-163064CCB4C4}"/>
-              </a:ext>
-            </a:extLst>
-          </p:cNvPr>
-          <p:cNvSpPr>
-            <a:spLocks noGrp="1"/>
-          </p:cNvSpPr>
-          <p:nvPr>
-            <p:ph idx="1"/>
-          </p:nvPr>
-        </p:nvSpPr>
-        <p:spPr>
-          <a:xfrm>
-            <a:off x="838200" y="2261937"/>
-            <a:ext cx="10515600" cy="3915026"/>
-          </a:xfrm>
-        </p:spPr>
-        <p:txBody>
-          <a:bodyPr/>
-          <a:lstStyle/>
-          <a:p>
-            <a:endParaRPr lang="en-IN" dirty="0"/>
-          </a:p>
-        </p:txBody>
-      </p:sp>
     </p:spTree>
     <p:extLst>
       <p:ext uri="{BB962C8B-B14F-4D97-AF65-F5344CB8AC3E}">
-        <p14:creationId xmlns:p14="http://schemas.microsoft.com/office/powerpoint/2010/main" val="1195287565"/>
-      </p:ext>
-    </p:extLst>
-  </p:cSld>
-  <p:clrMapOvr>
-    <a:masterClrMapping/>
-  </p:clrMapOvr>
-</p:sld>
-</file>
-
-<file path=ppt/slides/slide11.xml><?xml version="1.0" encoding="utf-8"?>
-<p:sld xmlns:a="http://schemas.openxmlformats.org/drawingml/2006/main" xmlns:r="http://schemas.openxmlformats.org/officeDocument/2006/relationships" xmlns:p="http://schemas.openxmlformats.org/presentationml/2006/main">
-  <p:cSld>
-    <p:spTree>
-      <p:nvGrpSpPr>
-        <p:cNvPr id="1" name="">
-          <a:extLst>
-            <a:ext uri="{FF2B5EF4-FFF2-40B4-BE49-F238E27FC236}">
-              <a16:creationId xmlns:a16="http://schemas.microsoft.com/office/drawing/2014/main" id="{08F020C8-C696-8712-6B14-34CA50EE353A}"/>
-            </a:ext>
-          </a:extLst>
-        </p:cNvPr>
-        <p:cNvGrpSpPr/>
-        <p:nvPr/>
-      </p:nvGrpSpPr>
-      <p:grpSpPr>
-        <a:xfrm>
-          <a:off x="0" y="0"/>
-          <a:ext cx="0" cy="0"/>
-          <a:chOff x="0" y="0"/>
-          <a:chExt cx="0" cy="0"/>
-        </a:xfrm>
-      </p:grpSpPr>
-      <p:pic>
-        <p:nvPicPr>
-          <p:cNvPr id="9" name="Picture 8">
-            <a:extLst>
-              <a:ext uri="{FF2B5EF4-FFF2-40B4-BE49-F238E27FC236}">
-                <a16:creationId xmlns:a16="http://schemas.microsoft.com/office/drawing/2014/main" id="{7CC4CBFF-7920-70C0-A06E-0C70678C0D18}"/>
-              </a:ext>
-            </a:extLst>
-          </p:cNvPr>
-          <p:cNvPicPr>
-            <a:picLocks noChangeAspect="1"/>
-          </p:cNvPicPr>
-          <p:nvPr/>
-        </p:nvPicPr>
-        <p:blipFill>
-          <a:blip r:embed="rId2">
-            <a:extLst>
-              <a:ext uri="{28A0092B-C50C-407E-A947-70E740481C1C}">
-                <a14:useLocalDpi xmlns:a14="http://schemas.microsoft.com/office/drawing/2010/main" val="0"/>
-              </a:ext>
-            </a:extLst>
-          </a:blip>
-          <a:stretch>
-            <a:fillRect/>
-          </a:stretch>
-        </p:blipFill>
-        <p:spPr>
-          <a:xfrm>
-            <a:off x="0" y="4707"/>
-            <a:ext cx="12192000" cy="6853293"/>
-          </a:xfrm>
-          <a:prstGeom prst="rect">
-            <a:avLst/>
-          </a:prstGeom>
-        </p:spPr>
-      </p:pic>
-      <p:sp>
-        <p:nvSpPr>
-          <p:cNvPr id="12" name="Title 11">
-            <a:extLst>
-              <a:ext uri="{FF2B5EF4-FFF2-40B4-BE49-F238E27FC236}">
-                <a16:creationId xmlns:a16="http://schemas.microsoft.com/office/drawing/2014/main" id="{25BED996-97FE-4465-A247-9E0741B69D7B}"/>
-              </a:ext>
-            </a:extLst>
-          </p:cNvPr>
-          <p:cNvSpPr>
-            <a:spLocks noGrp="1"/>
-          </p:cNvSpPr>
-          <p:nvPr>
-            <p:ph type="title"/>
-          </p:nvPr>
-        </p:nvSpPr>
-        <p:spPr>
-          <a:xfrm>
-            <a:off x="838200" y="1058779"/>
-            <a:ext cx="10515600" cy="1411703"/>
-          </a:xfrm>
-        </p:spPr>
-        <p:txBody>
-          <a:bodyPr/>
-          <a:lstStyle/>
-          <a:p>
-            <a:r>
-              <a:rPr lang="en-US" b="1" dirty="0">
-                <a:solidFill>
-                  <a:srgbClr val="FF0000"/>
-                </a:solidFill>
-              </a:rPr>
-              <a:t>Thank You</a:t>
-            </a:r>
-            <a:endParaRPr lang="en-IN" b="1" dirty="0">
-              <a:solidFill>
-                <a:srgbClr val="FF0000"/>
-              </a:solidFill>
-            </a:endParaRPr>
-          </a:p>
-        </p:txBody>
-      </p:sp>
-    </p:spTree>
-    <p:extLst>
-      <p:ext uri="{BB962C8B-B14F-4D97-AF65-F5344CB8AC3E}">
-        <p14:creationId xmlns:p14="http://schemas.microsoft.com/office/powerpoint/2010/main" val="1263864946"/>
+        <p14:creationId xmlns:p14="http://schemas.microsoft.com/office/powerpoint/2010/main" val="2381247086"/>
       </p:ext>
     </p:extLst>
   </p:cSld>
@@ -4234,14 +4195,30 @@
             <a:r>
               <a:rPr lang="en-US" sz="6000" b="1" dirty="0">
                 <a:solidFill>
-                  <a:srgbClr val="FF0000"/>
+                  <a:srgbClr val="C00000"/>
                 </a:solidFill>
               </a:rPr>
-              <a:t>Careers in AI &amp; Big Data Analytics</a:t>
+              <a:t>Explain the basics of using statistical software packages and IDEs such as RStudio, </a:t>
+            </a:r>
+            <a:r>
+              <a:rPr lang="en-US" sz="6000" b="1" dirty="0" err="1">
+                <a:solidFill>
+                  <a:srgbClr val="C00000"/>
+                </a:solidFill>
+              </a:rPr>
+              <a:t>Jupyter</a:t>
+            </a:r>
+            <a:r>
+              <a:rPr lang="en-US" sz="6000" b="1" dirty="0">
+                <a:solidFill>
+                  <a:srgbClr val="C00000"/>
+                </a:solidFill>
+              </a:rPr>
+              <a:t> Notebooks</a:t>
             </a:r>
             <a:endParaRPr lang="en-IN" sz="6000" b="1" dirty="0">
               <a:solidFill>
-                <a:srgbClr val="FF0000"/>
+                <a:srgbClr val="C00000"/>
               </a:solidFill>
             </a:endParaRPr>
           </a:p>
@@ -4429,7 +4406,7 @@
         <p:cNvPr id="1" name="">
           <a:extLst>
             <a:ext uri="{FF2B5EF4-FFF2-40B4-BE49-F238E27FC236}">
-              <a16:creationId xmlns:a16="http://schemas.microsoft.com/office/drawing/2014/main" id="{FB1982F0-5BEB-0DA0-6FD8-FAFF88501EFF}"/>
+              <a16:creationId xmlns:a16="http://schemas.microsoft.com/office/drawing/2014/main" id="{8390289C-797F-A68D-6EF8-89D0DB57B61A}"/>
             </a:ext>
           </a:extLst>
         </p:cNvPr>
@@ -4449,7 +4426,7 @@
           <p:cNvPr id="9" name="Picture 8">
             <a:extLst>
               <a:ext uri="{FF2B5EF4-FFF2-40B4-BE49-F238E27FC236}">
-                <a16:creationId xmlns:a16="http://schemas.microsoft.com/office/drawing/2014/main" id="{FA9653A5-7931-8721-C0FF-C3C586F4A8AD}"/>
+                <a16:creationId xmlns:a16="http://schemas.microsoft.com/office/drawing/2014/main" id="{E7D46785-3DFF-2DA3-C292-AA936416D5A6}"/>
               </a:ext>
             </a:extLst>
           </p:cNvPr>
@@ -4485,7 +4462,7 @@
           <p:cNvPr id="12" name="Title 11">
             <a:extLst>
               <a:ext uri="{FF2B5EF4-FFF2-40B4-BE49-F238E27FC236}">
-                <a16:creationId xmlns:a16="http://schemas.microsoft.com/office/drawing/2014/main" id="{14221AC7-70EF-3E78-7957-84141B5AD992}"/>
+                <a16:creationId xmlns:a16="http://schemas.microsoft.com/office/drawing/2014/main" id="{2EC5EDB0-5954-5C92-6279-8C400875DEFB}"/>
               </a:ext>
             </a:extLst>
           </p:cNvPr>
@@ -4498,14 +4475,12 @@
         </p:nvSpPr>
         <p:spPr>
           <a:xfrm>
-            <a:off x="838200" y="1090863"/>
-            <a:ext cx="10515600" cy="1171073"/>
+            <a:off x="838200" y="1058779"/>
+            <a:ext cx="10515600" cy="1411703"/>
           </a:xfrm>
         </p:spPr>
         <p:txBody>
-          <a:bodyPr>
-            <a:normAutofit fontScale="90000"/>
-          </a:bodyPr>
+          <a:bodyPr/>
           <a:lstStyle/>
           <a:p>
             <a:r>
@@ -4514,12 +4489,12 @@
                   <a:srgbClr val="C00000"/>
                 </a:solidFill>
               </a:rPr>
-              <a:t>Career map for roles in AI &amp; Big Data Analytics</a:t>
+              <a:t>RStudio: IDE for R Programming</a:t>
             </a:r>
             <a:br>
-              <a:rPr lang="en-US" dirty="0">
+              <a:rPr lang="en-US" b="1" dirty="0">
                 <a:solidFill>
-                  <a:srgbClr val="002060"/>
+                  <a:srgbClr val="FF0000"/>
                 </a:solidFill>
               </a:rPr>
             </a:br>
@@ -4533,10 +4508,10 @@
       </p:sp>
       <p:sp>
         <p:nvSpPr>
-          <p:cNvPr id="4" name="Content Placeholder 3">
-            <a:extLst>
-              <a:ext uri="{FF2B5EF4-FFF2-40B4-BE49-F238E27FC236}">
-                <a16:creationId xmlns:a16="http://schemas.microsoft.com/office/drawing/2014/main" id="{578CAB42-7D2A-6EDC-C435-EECC86B0DFC6}"/>
+          <p:cNvPr id="13" name="Content Placeholder 12">
+            <a:extLst>
+              <a:ext uri="{FF2B5EF4-FFF2-40B4-BE49-F238E27FC236}">
+                <a16:creationId xmlns:a16="http://schemas.microsoft.com/office/drawing/2014/main" id="{57300145-5A1B-BC0F-1DFF-3950F1928C1E}"/>
               </a:ext>
             </a:extLst>
           </p:cNvPr>
@@ -4549,8 +4524,8 @@
         </p:nvSpPr>
         <p:spPr>
           <a:xfrm>
-            <a:off x="838200" y="2261937"/>
-            <a:ext cx="10515600" cy="3915026"/>
+            <a:off x="838200" y="2068643"/>
+            <a:ext cx="10515600" cy="4108319"/>
           </a:xfrm>
         </p:spPr>
         <p:txBody>
@@ -4562,50 +4537,124 @@
             </a:pPr>
             <a:r>
               <a:rPr lang="en-IN" b="1" dirty="0">
+                <a:solidFill>
+                  <a:srgbClr val="FF0000"/>
+                </a:solidFill>
+              </a:rPr>
+              <a:t>Key Features:</a:t>
+            </a:r>
+          </a:p>
+          <a:p>
+            <a:pPr marL="0" indent="0">
+              <a:buNone/>
+            </a:pPr>
+            <a:r>
+              <a:rPr lang="en-IN" b="1" dirty="0">
+                <a:solidFill>
+                  <a:srgbClr val="00B050"/>
+                </a:solidFill>
+              </a:rPr>
+              <a:t>Script Editor: </a:t>
+            </a:r>
+            <a:r>
+              <a:rPr lang="en-IN" dirty="0">
                 <a:solidFill>
                   <a:srgbClr val="002060"/>
                 </a:solidFill>
               </a:rPr>
-              <a:t>Data Analyst</a:t>
-            </a:r>
-          </a:p>
-          <a:p>
-            <a:r>
-              <a:rPr lang="en-IN" b="1" dirty="0"/>
-              <a:t>Responsibilities:</a:t>
-            </a:r>
-            <a:r>
-              <a:rPr lang="en-IN" dirty="0"/>
-              <a:t> Collects, processes, and </a:t>
-            </a:r>
-            <a:r>
-              <a:rPr lang="en-IN" dirty="0" err="1"/>
-              <a:t>analyzes</a:t>
-            </a:r>
-            <a:r>
-              <a:rPr lang="en-IN" dirty="0"/>
-              <a:t> large datasets to reveal trends, patterns, and actionable insights. Prepares reports for stakeholders and builds dashboards to visualize findings.</a:t>
-            </a:r>
-          </a:p>
-          <a:p>
-            <a:r>
-              <a:rPr lang="en-IN" b="1" dirty="0"/>
-              <a:t>Typical Tools:</a:t>
-            </a:r>
-            <a:r>
-              <a:rPr lang="en-IN" dirty="0"/>
-              <a:t> Excel, SQL, Tableau, Power BI, Python.</a:t>
-            </a:r>
-          </a:p>
-          <a:p>
-            <a:endParaRPr lang="en-IN" dirty="0"/>
+              <a:t>Write and run R code.</a:t>
+            </a:r>
+          </a:p>
+          <a:p>
+            <a:pPr marL="0" indent="0">
+              <a:buNone/>
+            </a:pPr>
+            <a:r>
+              <a:rPr lang="en-IN" b="1" dirty="0">
+                <a:solidFill>
+                  <a:srgbClr val="00B050"/>
+                </a:solidFill>
+              </a:rPr>
+              <a:t>Console: </a:t>
+            </a:r>
+            <a:r>
+              <a:rPr lang="en-IN" dirty="0">
+                <a:solidFill>
+                  <a:srgbClr val="002060"/>
+                </a:solidFill>
+              </a:rPr>
+              <a:t>Execute commands interactively.</a:t>
+            </a:r>
+          </a:p>
+          <a:p>
+            <a:pPr marL="0" indent="0">
+              <a:buNone/>
+            </a:pPr>
+            <a:r>
+              <a:rPr lang="en-IN" b="1" dirty="0">
+                <a:solidFill>
+                  <a:srgbClr val="00B050"/>
+                </a:solidFill>
+              </a:rPr>
+              <a:t>Environment Pane: </a:t>
+            </a:r>
+            <a:r>
+              <a:rPr lang="en-IN" dirty="0">
+                <a:solidFill>
+                  <a:srgbClr val="002060"/>
+                </a:solidFill>
+              </a:rPr>
+              <a:t>View variables, data frames, and functions.</a:t>
+            </a:r>
+          </a:p>
+          <a:p>
+            <a:pPr marL="0" indent="0">
+              <a:buNone/>
+            </a:pPr>
+            <a:r>
+              <a:rPr lang="en-IN" b="1" dirty="0">
+                <a:solidFill>
+                  <a:srgbClr val="00B050"/>
+                </a:solidFill>
+              </a:rPr>
+              <a:t>Plots Pane: </a:t>
+            </a:r>
+            <a:r>
+              <a:rPr lang="en-IN" dirty="0">
+                <a:solidFill>
+                  <a:srgbClr val="002060"/>
+                </a:solidFill>
+              </a:rPr>
+              <a:t>Display charts and visualizations.</a:t>
+            </a:r>
+          </a:p>
+          <a:p>
+            <a:pPr marL="0" indent="0">
+              <a:buNone/>
+            </a:pPr>
+            <a:r>
+              <a:rPr lang="en-IN" b="1" dirty="0">
+                <a:solidFill>
+                  <a:srgbClr val="00B050"/>
+                </a:solidFill>
+              </a:rPr>
+              <a:t>Packages Pane: </a:t>
+            </a:r>
+            <a:r>
+              <a:rPr lang="en-IN" dirty="0">
+                <a:solidFill>
+                  <a:srgbClr val="002060"/>
+                </a:solidFill>
+              </a:rPr>
+              <a:t>Manage installed R packages.</a:t>
+            </a:r>
           </a:p>
         </p:txBody>
       </p:sp>
     </p:spTree>
     <p:extLst>
       <p:ext uri="{BB962C8B-B14F-4D97-AF65-F5344CB8AC3E}">
-        <p14:creationId xmlns:p14="http://schemas.microsoft.com/office/powerpoint/2010/main" val="131540703"/>
+        <p14:creationId xmlns:p14="http://schemas.microsoft.com/office/powerpoint/2010/main" val="2598328417"/>
       </p:ext>
     </p:extLst>
   </p:cSld>
@@ -4623,7 +4672,7 @@
         <p:cNvPr id="1" name="">
           <a:extLst>
             <a:ext uri="{FF2B5EF4-FFF2-40B4-BE49-F238E27FC236}">
-              <a16:creationId xmlns:a16="http://schemas.microsoft.com/office/drawing/2014/main" id="{2FBF0153-C9A9-D46C-01B2-41753D68E45E}"/>
+              <a16:creationId xmlns:a16="http://schemas.microsoft.com/office/drawing/2014/main" id="{60409B87-1C56-A804-BB2E-0506210398A3}"/>
             </a:ext>
           </a:extLst>
         </p:cNvPr>
@@ -4643,7 +4692,7 @@
           <p:cNvPr id="9" name="Picture 8">
             <a:extLst>
               <a:ext uri="{FF2B5EF4-FFF2-40B4-BE49-F238E27FC236}">
-                <a16:creationId xmlns:a16="http://schemas.microsoft.com/office/drawing/2014/main" id="{C1938744-0A14-7C58-D756-DA7BFA361E6C}"/>
+                <a16:creationId xmlns:a16="http://schemas.microsoft.com/office/drawing/2014/main" id="{302D201B-E093-080D-946D-D29036991D9F}"/>
               </a:ext>
             </a:extLst>
           </p:cNvPr>
@@ -4679,7 +4728,7 @@
           <p:cNvPr id="12" name="Title 11">
             <a:extLst>
               <a:ext uri="{FF2B5EF4-FFF2-40B4-BE49-F238E27FC236}">
-                <a16:creationId xmlns:a16="http://schemas.microsoft.com/office/drawing/2014/main" id="{55EBC230-AA0A-E2EC-4902-663BBB100639}"/>
+                <a16:creationId xmlns:a16="http://schemas.microsoft.com/office/drawing/2014/main" id="{363DC6C6-BF74-3856-A9F4-CD81CD21F220}"/>
               </a:ext>
             </a:extLst>
           </p:cNvPr>
@@ -4692,28 +4741,26 @@
         </p:nvSpPr>
         <p:spPr>
           <a:xfrm>
-            <a:off x="838200" y="1090863"/>
-            <a:ext cx="10515600" cy="1171073"/>
+            <a:off x="838200" y="1058779"/>
+            <a:ext cx="10515600" cy="1411703"/>
           </a:xfrm>
         </p:spPr>
         <p:txBody>
-          <a:bodyPr>
-            <a:normAutofit fontScale="90000"/>
-          </a:bodyPr>
+          <a:bodyPr/>
           <a:lstStyle/>
           <a:p>
             <a:r>
-              <a:rPr lang="en-US" b="1">
+              <a:rPr lang="en-US" b="1" dirty="0">
                 <a:solidFill>
                   <a:srgbClr val="C00000"/>
                 </a:solidFill>
               </a:rPr>
-              <a:t>Career  roles </a:t>
+              <a:t>RStudio: IDE for R Programming</a:t>
             </a:r>
             <a:br>
-              <a:rPr lang="en-US" dirty="0">
+              <a:rPr lang="en-US" b="1" dirty="0">
                 <a:solidFill>
-                  <a:srgbClr val="002060"/>
+                  <a:srgbClr val="FF0000"/>
                 </a:solidFill>
               </a:rPr>
             </a:br>
@@ -4725,81 +4772,42 @@
           </a:p>
         </p:txBody>
       </p:sp>
-      <p:sp>
-        <p:nvSpPr>
-          <p:cNvPr id="4" name="Content Placeholder 3">
-            <a:extLst>
-              <a:ext uri="{FF2B5EF4-FFF2-40B4-BE49-F238E27FC236}">
-                <a16:creationId xmlns:a16="http://schemas.microsoft.com/office/drawing/2014/main" id="{39735FD5-EFD8-E566-AC4B-84B3BA5FD6A2}"/>
-              </a:ext>
-            </a:extLst>
-          </p:cNvPr>
-          <p:cNvSpPr>
-            <a:spLocks noGrp="1"/>
-          </p:cNvSpPr>
+      <p:pic>
+        <p:nvPicPr>
+          <p:cNvPr id="3" name="Content Placeholder 2">
+            <a:extLst>
+              <a:ext uri="{FF2B5EF4-FFF2-40B4-BE49-F238E27FC236}">
+                <a16:creationId xmlns:a16="http://schemas.microsoft.com/office/drawing/2014/main" id="{DF7C42D1-0422-B61C-480D-9559D4E22ECE}"/>
+              </a:ext>
+            </a:extLst>
+          </p:cNvPr>
+          <p:cNvPicPr>
+            <a:picLocks noGrp="1" noChangeAspect="1"/>
+          </p:cNvPicPr>
           <p:nvPr>
             <p:ph idx="1"/>
           </p:nvPr>
-        </p:nvSpPr>
+        </p:nvPicPr>
+        <p:blipFill>
+          <a:blip r:embed="rId3"/>
+          <a:stretch>
+            <a:fillRect/>
+          </a:stretch>
+        </p:blipFill>
         <p:spPr>
           <a:xfrm>
-            <a:off x="838200" y="2261937"/>
-            <a:ext cx="10515600" cy="3915026"/>
+            <a:off x="975199" y="1948721"/>
+            <a:ext cx="8884409" cy="2312559"/>
           </a:xfrm>
+          <a:prstGeom prst="rect">
+            <a:avLst/>
+          </a:prstGeom>
         </p:spPr>
-        <p:txBody>
-          <a:bodyPr/>
-          <a:lstStyle/>
-          <a:p>
-            <a:pPr marL="0" indent="0">
-              <a:buNone/>
-            </a:pPr>
-            <a:r>
-              <a:rPr lang="en-IN" b="1" dirty="0">
-                <a:solidFill>
-                  <a:srgbClr val="002060"/>
-                </a:solidFill>
-              </a:rPr>
-              <a:t>Data Analyst</a:t>
-            </a:r>
-          </a:p>
-          <a:p>
-            <a:r>
-              <a:rPr lang="en-IN" b="1" dirty="0"/>
-              <a:t>Responsibilities:</a:t>
-            </a:r>
-            <a:r>
-              <a:rPr lang="en-IN" dirty="0"/>
-              <a:t> Collects, processes, and </a:t>
-            </a:r>
-            <a:r>
-              <a:rPr lang="en-IN" dirty="0" err="1"/>
-              <a:t>analyzes</a:t>
-            </a:r>
-            <a:r>
-              <a:rPr lang="en-IN" dirty="0"/>
-              <a:t> large datasets to reveal trends, patterns, and actionable insights. Prepares reports for stakeholders and builds dashboards to visualize findings.</a:t>
-            </a:r>
-          </a:p>
-          <a:p>
-            <a:r>
-              <a:rPr lang="en-IN" b="1" dirty="0"/>
-              <a:t>Typical Tools:</a:t>
-            </a:r>
-            <a:r>
-              <a:rPr lang="en-IN" dirty="0"/>
-              <a:t> Excel, SQL, Tableau, Power BI, Python.</a:t>
-            </a:r>
-          </a:p>
-          <a:p>
-            <a:endParaRPr lang="en-IN" dirty="0"/>
-          </a:p>
-        </p:txBody>
-      </p:sp>
+      </p:pic>
     </p:spTree>
     <p:extLst>
       <p:ext uri="{BB962C8B-B14F-4D97-AF65-F5344CB8AC3E}">
-        <p14:creationId xmlns:p14="http://schemas.microsoft.com/office/powerpoint/2010/main" val="1337943040"/>
+        <p14:creationId xmlns:p14="http://schemas.microsoft.com/office/powerpoint/2010/main" val="3202260991"/>
       </p:ext>
     </p:extLst>
   </p:cSld>
@@ -4817,7 +4825,7 @@
         <p:cNvPr id="1" name="">
           <a:extLst>
             <a:ext uri="{FF2B5EF4-FFF2-40B4-BE49-F238E27FC236}">
-              <a16:creationId xmlns:a16="http://schemas.microsoft.com/office/drawing/2014/main" id="{298C305C-24EE-E6F8-ADA7-B19A4F87414A}"/>
+              <a16:creationId xmlns:a16="http://schemas.microsoft.com/office/drawing/2014/main" id="{E95D2BA6-E7C7-43F1-EFD7-F95AA7FCE439}"/>
             </a:ext>
           </a:extLst>
         </p:cNvPr>
@@ -4837,7 +4845,7 @@
           <p:cNvPr id="9" name="Picture 8">
             <a:extLst>
               <a:ext uri="{FF2B5EF4-FFF2-40B4-BE49-F238E27FC236}">
-                <a16:creationId xmlns:a16="http://schemas.microsoft.com/office/drawing/2014/main" id="{E9527F4D-69E3-6DB3-E2B6-BF17C7CE5C1D}"/>
+                <a16:creationId xmlns:a16="http://schemas.microsoft.com/office/drawing/2014/main" id="{772A8D1D-DBE3-6F8C-E56F-AC6F6061D322}"/>
               </a:ext>
             </a:extLst>
           </p:cNvPr>
@@ -4873,7 +4881,7 @@
           <p:cNvPr id="12" name="Title 11">
             <a:extLst>
               <a:ext uri="{FF2B5EF4-FFF2-40B4-BE49-F238E27FC236}">
-                <a16:creationId xmlns:a16="http://schemas.microsoft.com/office/drawing/2014/main" id="{ADD7F852-FFC2-6626-3163-8EA32EBA7812}"/>
+                <a16:creationId xmlns:a16="http://schemas.microsoft.com/office/drawing/2014/main" id="{E97094C8-8209-3D38-8978-FB2C7C0EC4F6}"/>
               </a:ext>
             </a:extLst>
           </p:cNvPr>
@@ -4886,14 +4894,12 @@
         </p:nvSpPr>
         <p:spPr>
           <a:xfrm>
-            <a:off x="838200" y="1090863"/>
-            <a:ext cx="10515600" cy="1171073"/>
+            <a:off x="838200" y="1058779"/>
+            <a:ext cx="10515600" cy="1411703"/>
           </a:xfrm>
         </p:spPr>
         <p:txBody>
-          <a:bodyPr>
-            <a:normAutofit fontScale="90000"/>
-          </a:bodyPr>
+          <a:bodyPr/>
           <a:lstStyle/>
           <a:p>
             <a:r>
@@ -4902,12 +4908,12 @@
                   <a:srgbClr val="C00000"/>
                 </a:solidFill>
               </a:rPr>
-              <a:t>Career map for roles in AI &amp; Big Data Analytics</a:t>
+              <a:t>RStudio: IDE for R Programming</a:t>
             </a:r>
             <a:br>
-              <a:rPr lang="en-US" dirty="0">
+              <a:rPr lang="en-US" b="1" dirty="0">
                 <a:solidFill>
-                  <a:srgbClr val="002060"/>
+                  <a:srgbClr val="FF0000"/>
                 </a:solidFill>
               </a:rPr>
             </a:br>
@@ -4919,73 +4925,261 @@
           </a:p>
         </p:txBody>
       </p:sp>
-      <p:sp>
-        <p:nvSpPr>
-          <p:cNvPr id="4" name="Content Placeholder 3">
-            <a:extLst>
-              <a:ext uri="{FF2B5EF4-FFF2-40B4-BE49-F238E27FC236}">
-                <a16:creationId xmlns:a16="http://schemas.microsoft.com/office/drawing/2014/main" id="{7524FDDB-07B4-54F0-DC21-901EF29BFD55}"/>
-              </a:ext>
-            </a:extLst>
-          </p:cNvPr>
-          <p:cNvSpPr>
-            <a:spLocks noGrp="1"/>
-          </p:cNvSpPr>
+      <p:graphicFrame>
+        <p:nvGraphicFramePr>
+          <p:cNvPr id="5" name="Content Placeholder 4">
+            <a:extLst>
+              <a:ext uri="{FF2B5EF4-FFF2-40B4-BE49-F238E27FC236}">
+                <a16:creationId xmlns:a16="http://schemas.microsoft.com/office/drawing/2014/main" id="{21247396-68FE-E724-97EE-5F8928F1D1A8}"/>
+              </a:ext>
+            </a:extLst>
+          </p:cNvPr>
+          <p:cNvGraphicFramePr>
+            <a:graphicFrameLocks noGrp="1"/>
+          </p:cNvGraphicFramePr>
           <p:nvPr>
             <p:ph idx="1"/>
-          </p:nvPr>
-        </p:nvSpPr>
-        <p:spPr>
-          <a:xfrm>
-            <a:off x="838200" y="2261937"/>
-            <a:ext cx="10515600" cy="3915026"/>
-          </a:xfrm>
-        </p:spPr>
-        <p:txBody>
-          <a:bodyPr/>
-          <a:lstStyle/>
-          <a:p>
-            <a:pPr marL="0" indent="0">
-              <a:buNone/>
-            </a:pPr>
-            <a:r>
-              <a:rPr lang="en-US" b="1" dirty="0">
-                <a:solidFill>
-                  <a:srgbClr val="002060"/>
-                </a:solidFill>
-              </a:rPr>
-              <a:t>Data Scientist (Advanced/Progression Role)</a:t>
-            </a:r>
-          </a:p>
-          <a:p>
-            <a:r>
-              <a:rPr lang="en-US" b="1" dirty="0"/>
-              <a:t>Responsibilities:</a:t>
-            </a:r>
-            <a:r>
-              <a:rPr lang="en-US" dirty="0"/>
-              <a:t> Leverages advanced analytics, machine learning, and predictive models to solve complex business problems. Designs experiments, automates workflows, and develops custom data products.</a:t>
-            </a:r>
-          </a:p>
-          <a:p>
-            <a:r>
-              <a:rPr lang="en-US" b="1" dirty="0"/>
-              <a:t>Career Path:</a:t>
-            </a:r>
-            <a:r>
-              <a:rPr lang="en-US" dirty="0"/>
-              <a:t> Many experienced analysts grow into this role with upskilling.</a:t>
-            </a:r>
-          </a:p>
-          <a:p>
-            <a:endParaRPr lang="en-IN" dirty="0"/>
-          </a:p>
-        </p:txBody>
-      </p:sp>
+            <p:extLst>
+              <p:ext uri="{D42A27DB-BD31-4B8C-83A1-F6EECF244321}">
+                <p14:modId xmlns:p14="http://schemas.microsoft.com/office/powerpoint/2010/main" val="252493401"/>
+              </p:ext>
+            </p:extLst>
+          </p:nvPr>
+        </p:nvGraphicFramePr>
+        <p:xfrm>
+          <a:off x="838200" y="1825625"/>
+          <a:ext cx="10515600" cy="2225040"/>
+        </p:xfrm>
+        <a:graphic>
+          <a:graphicData uri="http://schemas.openxmlformats.org/drawingml/2006/table">
+            <a:tbl>
+              <a:tblPr firstRow="1" bandRow="1">
+                <a:tableStyleId>{793D81CF-94F2-401A-BA57-92F5A7B2D0C5}</a:tableStyleId>
+              </a:tblPr>
+              <a:tblGrid>
+                <a:gridCol w="2939321">
+                  <a:extLst>
+                    <a:ext uri="{9D8B030D-6E8A-4147-A177-3AD203B41FA5}">
+                      <a16:colId xmlns:a16="http://schemas.microsoft.com/office/drawing/2014/main" val="3391472823"/>
+                    </a:ext>
+                  </a:extLst>
+                </a:gridCol>
+                <a:gridCol w="7576279">
+                  <a:extLst>
+                    <a:ext uri="{9D8B030D-6E8A-4147-A177-3AD203B41FA5}">
+                      <a16:colId xmlns:a16="http://schemas.microsoft.com/office/drawing/2014/main" val="1392308113"/>
+                    </a:ext>
+                  </a:extLst>
+                </a:gridCol>
+              </a:tblGrid>
+              <a:tr h="370840">
+                <a:tc>
+                  <a:txBody>
+                    <a:bodyPr/>
+                    <a:lstStyle/>
+                    <a:p>
+                      <a:r>
+                        <a:rPr lang="en-IN" dirty="0"/>
+                        <a:t>Package</a:t>
+                      </a:r>
+                    </a:p>
+                  </a:txBody>
+                  <a:tcPr/>
+                </a:tc>
+                <a:tc>
+                  <a:txBody>
+                    <a:bodyPr/>
+                    <a:lstStyle/>
+                    <a:p>
+                      <a:r>
+                        <a:rPr lang="en-IN" dirty="0"/>
+                        <a:t>Purpose</a:t>
+                      </a:r>
+                    </a:p>
+                  </a:txBody>
+                  <a:tcPr/>
+                </a:tc>
+                <a:extLst>
+                  <a:ext uri="{0D108BD9-81ED-4DB2-BD59-A6C34878D82A}">
+                    <a16:rowId xmlns:a16="http://schemas.microsoft.com/office/drawing/2014/main" val="2493328856"/>
+                  </a:ext>
+                </a:extLst>
+              </a:tr>
+              <a:tr h="370840">
+                <a:tc>
+                  <a:txBody>
+                    <a:bodyPr/>
+                    <a:lstStyle/>
+                    <a:p>
+                      <a:r>
+                        <a:rPr lang="en-IN" dirty="0"/>
+                        <a:t>ggplot2</a:t>
+                      </a:r>
+                    </a:p>
+                  </a:txBody>
+                  <a:tcPr/>
+                </a:tc>
+                <a:tc>
+                  <a:txBody>
+                    <a:bodyPr/>
+                    <a:lstStyle/>
+                    <a:p>
+                      <a:r>
+                        <a:rPr lang="en-IN" dirty="0"/>
+                        <a:t>Advanced data visualization</a:t>
+                      </a:r>
+                    </a:p>
+                  </a:txBody>
+                  <a:tcPr/>
+                </a:tc>
+                <a:extLst>
+                  <a:ext uri="{0D108BD9-81ED-4DB2-BD59-A6C34878D82A}">
+                    <a16:rowId xmlns:a16="http://schemas.microsoft.com/office/drawing/2014/main" val="2040841390"/>
+                  </a:ext>
+                </a:extLst>
+              </a:tr>
+              <a:tr h="370840">
+                <a:tc>
+                  <a:txBody>
+                    <a:bodyPr/>
+                    <a:lstStyle/>
+                    <a:p>
+                      <a:r>
+                        <a:rPr lang="en-IN" dirty="0" err="1"/>
+                        <a:t>dplyr</a:t>
+                      </a:r>
+                      <a:endParaRPr lang="en-IN" dirty="0"/>
+                    </a:p>
+                  </a:txBody>
+                  <a:tcPr/>
+                </a:tc>
+                <a:tc>
+                  <a:txBody>
+                    <a:bodyPr/>
+                    <a:lstStyle/>
+                    <a:p>
+                      <a:r>
+                        <a:rPr lang="en-IN" dirty="0"/>
+                        <a:t>Data manipulation</a:t>
+                      </a:r>
+                    </a:p>
+                  </a:txBody>
+                  <a:tcPr/>
+                </a:tc>
+                <a:extLst>
+                  <a:ext uri="{0D108BD9-81ED-4DB2-BD59-A6C34878D82A}">
+                    <a16:rowId xmlns:a16="http://schemas.microsoft.com/office/drawing/2014/main" val="3053129143"/>
+                  </a:ext>
+                </a:extLst>
+              </a:tr>
+              <a:tr h="370840">
+                <a:tc>
+                  <a:txBody>
+                    <a:bodyPr/>
+                    <a:lstStyle/>
+                    <a:p>
+                      <a:r>
+                        <a:rPr lang="en-IN" dirty="0" err="1"/>
+                        <a:t>tidyr</a:t>
+                      </a:r>
+                      <a:endParaRPr lang="en-IN" dirty="0"/>
+                    </a:p>
+                  </a:txBody>
+                  <a:tcPr/>
+                </a:tc>
+                <a:tc>
+                  <a:txBody>
+                    <a:bodyPr/>
+                    <a:lstStyle/>
+                    <a:p>
+                      <a:r>
+                        <a:rPr lang="en-IN" dirty="0"/>
+                        <a:t>Data cleaning</a:t>
+                      </a:r>
+                    </a:p>
+                  </a:txBody>
+                  <a:tcPr/>
+                </a:tc>
+                <a:extLst>
+                  <a:ext uri="{0D108BD9-81ED-4DB2-BD59-A6C34878D82A}">
+                    <a16:rowId xmlns:a16="http://schemas.microsoft.com/office/drawing/2014/main" val="1345396226"/>
+                  </a:ext>
+                </a:extLst>
+              </a:tr>
+              <a:tr h="370840">
+                <a:tc>
+                  <a:txBody>
+                    <a:bodyPr/>
+                    <a:lstStyle/>
+                    <a:p>
+                      <a:r>
+                        <a:rPr lang="en-IN" dirty="0"/>
+                        <a:t>caret</a:t>
+                      </a:r>
+                    </a:p>
+                  </a:txBody>
+                  <a:tcPr/>
+                </a:tc>
+                <a:tc>
+                  <a:txBody>
+                    <a:bodyPr/>
+                    <a:lstStyle/>
+                    <a:p>
+                      <a:r>
+                        <a:rPr lang="en-IN" dirty="0"/>
+                        <a:t>Machine learning</a:t>
+                      </a:r>
+                    </a:p>
+                  </a:txBody>
+                  <a:tcPr/>
+                </a:tc>
+                <a:extLst>
+                  <a:ext uri="{0D108BD9-81ED-4DB2-BD59-A6C34878D82A}">
+                    <a16:rowId xmlns:a16="http://schemas.microsoft.com/office/drawing/2014/main" val="390478008"/>
+                  </a:ext>
+                </a:extLst>
+              </a:tr>
+              <a:tr h="370840">
+                <a:tc>
+                  <a:txBody>
+                    <a:bodyPr/>
+                    <a:lstStyle/>
+                    <a:p>
+                      <a:r>
+                        <a:rPr lang="en-IN" dirty="0"/>
+                        <a:t>shiny</a:t>
+                      </a:r>
+                    </a:p>
+                  </a:txBody>
+                  <a:tcPr/>
+                </a:tc>
+                <a:tc>
+                  <a:txBody>
+                    <a:bodyPr/>
+                    <a:lstStyle/>
+                    <a:p>
+                      <a:r>
+                        <a:rPr lang="en-IN" dirty="0"/>
+                        <a:t>Interactive web apps</a:t>
+                      </a:r>
+                    </a:p>
+                  </a:txBody>
+                  <a:tcPr/>
+                </a:tc>
+                <a:extLst>
+                  <a:ext uri="{0D108BD9-81ED-4DB2-BD59-A6C34878D82A}">
+                    <a16:rowId xmlns:a16="http://schemas.microsoft.com/office/drawing/2014/main" val="1950760322"/>
+                  </a:ext>
+                </a:extLst>
+              </a:tr>
+            </a:tbl>
+          </a:graphicData>
+        </a:graphic>
+      </p:graphicFrame>
     </p:spTree>
     <p:extLst>
       <p:ext uri="{BB962C8B-B14F-4D97-AF65-F5344CB8AC3E}">
-        <p14:creationId xmlns:p14="http://schemas.microsoft.com/office/powerpoint/2010/main" val="1370868504"/>
+        <p14:creationId xmlns:p14="http://schemas.microsoft.com/office/powerpoint/2010/main" val="1345307526"/>
       </p:ext>
     </p:extLst>
   </p:cSld>
@@ -5003,7 +5197,7 @@
         <p:cNvPr id="1" name="">
           <a:extLst>
             <a:ext uri="{FF2B5EF4-FFF2-40B4-BE49-F238E27FC236}">
-              <a16:creationId xmlns:a16="http://schemas.microsoft.com/office/drawing/2014/main" id="{66E0E4B1-5F02-69C4-D339-CC109D9ABC88}"/>
+              <a16:creationId xmlns:a16="http://schemas.microsoft.com/office/drawing/2014/main" id="{08F020C8-C696-8712-6B14-34CA50EE353A}"/>
             </a:ext>
           </a:extLst>
         </p:cNvPr>
@@ -5023,7 +5217,7 @@
           <p:cNvPr id="9" name="Picture 8">
             <a:extLst>
               <a:ext uri="{FF2B5EF4-FFF2-40B4-BE49-F238E27FC236}">
-                <a16:creationId xmlns:a16="http://schemas.microsoft.com/office/drawing/2014/main" id="{C0CEA051-E689-6F5E-E0CF-0341E67C596A}"/>
+                <a16:creationId xmlns:a16="http://schemas.microsoft.com/office/drawing/2014/main" id="{7CC4CBFF-7920-70C0-A06E-0C70678C0D18}"/>
               </a:ext>
             </a:extLst>
           </p:cNvPr>
@@ -5059,7 +5253,7 @@
           <p:cNvPr id="12" name="Title 11">
             <a:extLst>
               <a:ext uri="{FF2B5EF4-FFF2-40B4-BE49-F238E27FC236}">
-                <a16:creationId xmlns:a16="http://schemas.microsoft.com/office/drawing/2014/main" id="{5AF4F4BF-6716-49E6-9582-E583D0D30CE3}"/>
+                <a16:creationId xmlns:a16="http://schemas.microsoft.com/office/drawing/2014/main" id="{25BED996-97FE-4465-A247-9E0741B69D7B}"/>
               </a:ext>
             </a:extLst>
           </p:cNvPr>
@@ -5070,25 +5264,27 @@
             <p:ph type="title"/>
           </p:nvPr>
         </p:nvSpPr>
-        <p:spPr>
-          <a:xfrm>
-            <a:off x="838200" y="1748325"/>
-            <a:ext cx="10515600" cy="1828800"/>
-          </a:xfrm>
-        </p:spPr>
+        <p:spPr/>
         <p:txBody>
           <a:bodyPr>
-            <a:normAutofit fontScale="90000"/>
+            <a:normAutofit/>
           </a:bodyPr>
           <a:lstStyle/>
           <a:p>
+            <a:br>
+              <a:rPr lang="en-US" b="1" dirty="0">
+                <a:solidFill>
+                  <a:srgbClr val="C00000"/>
+                </a:solidFill>
+              </a:rPr>
+            </a:br>
             <a:r>
               <a:rPr lang="en-US" b="1" dirty="0" err="1">
                 <a:solidFill>
                   <a:srgbClr val="C00000"/>
                 </a:solidFill>
               </a:rPr>
-              <a:t>Analyse</a:t>
+              <a:t>Jupyter</a:t>
             </a:r>
             <a:r>
               <a:rPr lang="en-US" b="1" dirty="0">
@@ -5096,96 +5292,121 @@
                   <a:srgbClr val="C00000"/>
                 </a:solidFill>
               </a:rPr>
-              <a:t> the differences between key terms such as Supervised Learning, Unsupervised Learning and Deep Learning</a:t>
-            </a:r>
-            <a:br>
-              <a:rPr lang="en-US" dirty="0">
+              <a:t> Notebooks: Interactive Python IDE</a:t>
+            </a:r>
+          </a:p>
+        </p:txBody>
+      </p:sp>
+      <p:sp>
+        <p:nvSpPr>
+          <p:cNvPr id="2" name="Content Placeholder 1">
+            <a:extLst>
+              <a:ext uri="{FF2B5EF4-FFF2-40B4-BE49-F238E27FC236}">
+                <a16:creationId xmlns:a16="http://schemas.microsoft.com/office/drawing/2014/main" id="{1B6BB082-9179-056E-F41D-B0A9C2B44D53}"/>
+              </a:ext>
+            </a:extLst>
+          </p:cNvPr>
+          <p:cNvSpPr>
+            <a:spLocks noGrp="1"/>
+          </p:cNvSpPr>
+          <p:nvPr>
+            <p:ph idx="1"/>
+          </p:nvPr>
+        </p:nvSpPr>
+        <p:spPr>
+          <a:xfrm>
+            <a:off x="838200" y="2051105"/>
+            <a:ext cx="10515600" cy="4125857"/>
+          </a:xfrm>
+        </p:spPr>
+        <p:txBody>
+          <a:bodyPr/>
+          <a:lstStyle/>
+          <a:p>
+            <a:pPr marL="0" indent="0">
+              <a:buNone/>
+            </a:pPr>
+            <a:r>
+              <a:rPr lang="en-IN" b="1" dirty="0">
+                <a:solidFill>
+                  <a:srgbClr val="FF0000"/>
+                </a:solidFill>
+              </a:rPr>
+              <a:t>Code Cells: </a:t>
+            </a:r>
+            <a:r>
+              <a:rPr lang="en-IN" dirty="0">
                 <a:solidFill>
                   <a:srgbClr val="002060"/>
                 </a:solidFill>
               </a:rPr>
-            </a:br>
-            <a:br>
-              <a:rPr lang="en-US" dirty="0">
+              <a:t>Run code interactively.</a:t>
+            </a:r>
+          </a:p>
+          <a:p>
+            <a:pPr marL="0" indent="0">
+              <a:buNone/>
+            </a:pPr>
+            <a:r>
+              <a:rPr lang="en-IN" b="1" dirty="0">
+                <a:solidFill>
+                  <a:srgbClr val="00B050"/>
+                </a:solidFill>
+              </a:rPr>
+              <a:t>Markdown Cells: </a:t>
+            </a:r>
+            <a:r>
+              <a:rPr lang="en-IN" dirty="0">
                 <a:solidFill>
                   <a:srgbClr val="002060"/>
                 </a:solidFill>
               </a:rPr>
-            </a:br>
-            <a:endParaRPr lang="en-IN" b="1" dirty="0">
-              <a:solidFill>
-                <a:srgbClr val="FF0000"/>
-              </a:solidFill>
-            </a:endParaRPr>
-          </a:p>
-        </p:txBody>
-      </p:sp>
-      <p:sp>
-        <p:nvSpPr>
-          <p:cNvPr id="4" name="Content Placeholder 3">
-            <a:extLst>
-              <a:ext uri="{FF2B5EF4-FFF2-40B4-BE49-F238E27FC236}">
-                <a16:creationId xmlns:a16="http://schemas.microsoft.com/office/drawing/2014/main" id="{2DC93587-953D-FBE6-A4B6-5060E75B821F}"/>
-              </a:ext>
-            </a:extLst>
-          </p:cNvPr>
-          <p:cNvSpPr>
-            <a:spLocks noGrp="1"/>
-          </p:cNvSpPr>
-          <p:nvPr>
-            <p:ph idx="1"/>
-          </p:nvPr>
-        </p:nvSpPr>
-        <p:spPr>
-          <a:xfrm>
-            <a:off x="838200" y="3252865"/>
-            <a:ext cx="10515600" cy="2924097"/>
-          </a:xfrm>
-        </p:spPr>
-        <p:txBody>
-          <a:bodyPr/>
-          <a:lstStyle/>
-          <a:p>
-            <a:r>
-              <a:rPr lang="en-US" b="1" dirty="0">
+              <a:t>Add notes, documentation, and equations. Inline </a:t>
+            </a:r>
+            <a:r>
+              <a:rPr lang="en-IN" b="1" dirty="0">
+                <a:solidFill>
+                  <a:srgbClr val="00B050"/>
+                </a:solidFill>
+              </a:rPr>
+              <a:t>Visualizations: </a:t>
+            </a:r>
+            <a:r>
+              <a:rPr lang="en-IN" dirty="0">
                 <a:solidFill>
                   <a:srgbClr val="002060"/>
                 </a:solidFill>
               </a:rPr>
-              <a:t>Supervised Learning</a:t>
-            </a:r>
-          </a:p>
-          <a:p>
-            <a:r>
-              <a:rPr lang="en-US" b="1" dirty="0">
+              <a:t>Display charts directly in the notebook.</a:t>
+            </a:r>
+          </a:p>
+          <a:p>
+            <a:pPr marL="0" indent="0">
+              <a:buNone/>
+            </a:pPr>
+            <a:r>
+              <a:rPr lang="en-IN" b="1" dirty="0">
+                <a:solidFill>
+                  <a:srgbClr val="00B050"/>
+                </a:solidFill>
+              </a:rPr>
+              <a:t>Kernel Support: </a:t>
+            </a:r>
+            <a:r>
+              <a:rPr lang="en-IN" dirty="0">
                 <a:solidFill>
                   <a:srgbClr val="002060"/>
                 </a:solidFill>
               </a:rPr>
-              <a:t>Unsupervised Learning</a:t>
-            </a:r>
-          </a:p>
-          <a:p>
-            <a:r>
-              <a:rPr lang="en-US" b="1" dirty="0">
-                <a:solidFill>
-                  <a:srgbClr val="002060"/>
-                </a:solidFill>
-              </a:rPr>
-              <a:t>Deep Learning</a:t>
-            </a:r>
-            <a:endParaRPr lang="en-IN" dirty="0">
-              <a:solidFill>
-                <a:srgbClr val="002060"/>
-              </a:solidFill>
-            </a:endParaRPr>
+              <a:t>Run multiple languages (Python, R, Julia)</a:t>
+            </a:r>
           </a:p>
         </p:txBody>
       </p:sp>
     </p:spTree>
     <p:extLst>
       <p:ext uri="{BB962C8B-B14F-4D97-AF65-F5344CB8AC3E}">
-        <p14:creationId xmlns:p14="http://schemas.microsoft.com/office/powerpoint/2010/main" val="1248854694"/>
+        <p14:creationId xmlns:p14="http://schemas.microsoft.com/office/powerpoint/2010/main" val="1263864946"/>
       </p:ext>
     </p:extLst>
   </p:cSld>
@@ -5203,7 +5424,7 @@
         <p:cNvPr id="1" name="">
           <a:extLst>
             <a:ext uri="{FF2B5EF4-FFF2-40B4-BE49-F238E27FC236}">
-              <a16:creationId xmlns:a16="http://schemas.microsoft.com/office/drawing/2014/main" id="{E7AA1D02-136D-8F7F-374E-AE382BC03063}"/>
+              <a16:creationId xmlns:a16="http://schemas.microsoft.com/office/drawing/2014/main" id="{F9D74762-B5E8-EB84-23D5-B3EA7D4F5B53}"/>
             </a:ext>
           </a:extLst>
         </p:cNvPr>
@@ -5223,7 +5444,7 @@
           <p:cNvPr id="9" name="Picture 8">
             <a:extLst>
               <a:ext uri="{FF2B5EF4-FFF2-40B4-BE49-F238E27FC236}">
-                <a16:creationId xmlns:a16="http://schemas.microsoft.com/office/drawing/2014/main" id="{E7093ADB-6CDE-1EFA-767B-454223F6BE2C}"/>
+                <a16:creationId xmlns:a16="http://schemas.microsoft.com/office/drawing/2014/main" id="{FD723F31-3589-2889-6F56-3530F42086EF}"/>
               </a:ext>
             </a:extLst>
           </p:cNvPr>
@@ -5246,7 +5467,7 @@
         </p:blipFill>
         <p:spPr>
           <a:xfrm>
-            <a:off x="0" y="0"/>
+            <a:off x="0" y="4707"/>
             <a:ext cx="12192000" cy="6853293"/>
           </a:xfrm>
           <a:prstGeom prst="rect">
@@ -5259,7 +5480,7 @@
           <p:cNvPr id="12" name="Title 11">
             <a:extLst>
               <a:ext uri="{FF2B5EF4-FFF2-40B4-BE49-F238E27FC236}">
-                <a16:creationId xmlns:a16="http://schemas.microsoft.com/office/drawing/2014/main" id="{764EDC2E-9453-3590-CDEE-148E9E4055CA}"/>
+                <a16:creationId xmlns:a16="http://schemas.microsoft.com/office/drawing/2014/main" id="{7E2F9A54-E345-ACB7-5984-9CFDCE01C0DF}"/>
               </a:ext>
             </a:extLst>
           </p:cNvPr>
@@ -5270,96 +5491,75 @@
             <p:ph type="title"/>
           </p:nvPr>
         </p:nvSpPr>
-        <p:spPr>
-          <a:xfrm>
-            <a:off x="838200" y="1109273"/>
-            <a:ext cx="10515600" cy="3189156"/>
-          </a:xfrm>
-        </p:spPr>
+        <p:spPr/>
         <p:txBody>
           <a:bodyPr>
             <a:normAutofit/>
           </a:bodyPr>
           <a:lstStyle/>
           <a:p>
-            <a:r>
+            <a:br>
               <a:rPr lang="en-US" b="1" dirty="0">
                 <a:solidFill>
                   <a:srgbClr val="C00000"/>
                 </a:solidFill>
               </a:rPr>
-              <a:t>Supervised Learning</a:t>
-            </a:r>
-            <a:br>
-              <a:rPr lang="en-IN" dirty="0">
+            </a:br>
+            <a:r>
+              <a:rPr lang="en-US" b="1" dirty="0" err="1">
                 <a:solidFill>
-                  <a:srgbClr val="002060"/>
+                  <a:srgbClr val="C00000"/>
                 </a:solidFill>
               </a:rPr>
-            </a:br>
-            <a:br>
-              <a:rPr lang="en-US" dirty="0">
+              <a:t>Jupyter</a:t>
+            </a:r>
+            <a:r>
+              <a:rPr lang="en-US" b="1" dirty="0">
                 <a:solidFill>
-                  <a:srgbClr val="002060"/>
+                  <a:srgbClr val="C00000"/>
                 </a:solidFill>
               </a:rPr>
-            </a:br>
-            <a:br>
-              <a:rPr lang="en-US" dirty="0">
-                <a:solidFill>
-                  <a:srgbClr val="002060"/>
-                </a:solidFill>
-              </a:rPr>
-            </a:br>
-            <a:br>
-              <a:rPr lang="en-US" dirty="0">
-                <a:solidFill>
-                  <a:srgbClr val="002060"/>
-                </a:solidFill>
-              </a:rPr>
-            </a:br>
-            <a:endParaRPr lang="en-IN" b="1" dirty="0">
-              <a:solidFill>
-                <a:srgbClr val="FF0000"/>
-              </a:solidFill>
-            </a:endParaRPr>
-          </a:p>
-        </p:txBody>
-      </p:sp>
-      <p:sp>
-        <p:nvSpPr>
+              <a:t> Notebooks: Interactive Python IDE</a:t>
+            </a:r>
+          </a:p>
+        </p:txBody>
+      </p:sp>
+      <p:pic>
+        <p:nvPicPr>
           <p:cNvPr id="4" name="Content Placeholder 3">
             <a:extLst>
               <a:ext uri="{FF2B5EF4-FFF2-40B4-BE49-F238E27FC236}">
-                <a16:creationId xmlns:a16="http://schemas.microsoft.com/office/drawing/2014/main" id="{AB0C367C-6704-41A3-7DE2-9756C9777541}"/>
-              </a:ext>
-            </a:extLst>
-          </p:cNvPr>
-          <p:cNvSpPr>
-            <a:spLocks noGrp="1"/>
-          </p:cNvSpPr>
+                <a16:creationId xmlns:a16="http://schemas.microsoft.com/office/drawing/2014/main" id="{DABF3E74-36EB-C351-97E0-F0C9D523FBA3}"/>
+              </a:ext>
+            </a:extLst>
+          </p:cNvPr>
+          <p:cNvPicPr>
+            <a:picLocks noGrp="1" noChangeAspect="1"/>
+          </p:cNvPicPr>
           <p:nvPr>
             <p:ph idx="1"/>
           </p:nvPr>
-        </p:nvSpPr>
+        </p:nvPicPr>
+        <p:blipFill>
+          <a:blip r:embed="rId3"/>
+          <a:stretch>
+            <a:fillRect/>
+          </a:stretch>
+        </p:blipFill>
         <p:spPr>
           <a:xfrm>
-            <a:off x="838200" y="2261937"/>
-            <a:ext cx="10515600" cy="3915026"/>
+            <a:off x="959371" y="1793511"/>
+            <a:ext cx="10084836" cy="3992692"/>
           </a:xfrm>
+          <a:prstGeom prst="rect">
+            <a:avLst/>
+          </a:prstGeom>
         </p:spPr>
-        <p:txBody>
-          <a:bodyPr/>
-          <a:lstStyle/>
-          <a:p>
-            <a:endParaRPr lang="en-IN" dirty="0"/>
-          </a:p>
-        </p:txBody>
-      </p:sp>
+      </p:pic>
     </p:spTree>
     <p:extLst>
       <p:ext uri="{BB962C8B-B14F-4D97-AF65-F5344CB8AC3E}">
-        <p14:creationId xmlns:p14="http://schemas.microsoft.com/office/powerpoint/2010/main" val="2329110552"/>
+        <p14:creationId xmlns:p14="http://schemas.microsoft.com/office/powerpoint/2010/main" val="2230316868"/>
       </p:ext>
     </p:extLst>
   </p:cSld>
@@ -5377,7 +5577,7 @@
         <p:cNvPr id="1" name="">
           <a:extLst>
             <a:ext uri="{FF2B5EF4-FFF2-40B4-BE49-F238E27FC236}">
-              <a16:creationId xmlns:a16="http://schemas.microsoft.com/office/drawing/2014/main" id="{9CF09576-E858-385A-6B65-E89E2DE87113}"/>
+              <a16:creationId xmlns:a16="http://schemas.microsoft.com/office/drawing/2014/main" id="{168DB11D-677E-846A-B928-DFC8900BE421}"/>
             </a:ext>
           </a:extLst>
         </p:cNvPr>
@@ -5397,7 +5597,7 @@
           <p:cNvPr id="9" name="Picture 8">
             <a:extLst>
               <a:ext uri="{FF2B5EF4-FFF2-40B4-BE49-F238E27FC236}">
-                <a16:creationId xmlns:a16="http://schemas.microsoft.com/office/drawing/2014/main" id="{33BF3416-F596-A4E5-4C37-0D412E238B82}"/>
+                <a16:creationId xmlns:a16="http://schemas.microsoft.com/office/drawing/2014/main" id="{036A06E4-3F33-95CE-10DF-3CFECBA498F3}"/>
               </a:ext>
             </a:extLst>
           </p:cNvPr>
@@ -5420,7 +5620,7 @@
         </p:blipFill>
         <p:spPr>
           <a:xfrm>
-            <a:off x="0" y="0"/>
+            <a:off x="0" y="4707"/>
             <a:ext cx="12192000" cy="6853293"/>
           </a:xfrm>
           <a:prstGeom prst="rect">
@@ -5433,7 +5633,7 @@
           <p:cNvPr id="12" name="Title 11">
             <a:extLst>
               <a:ext uri="{FF2B5EF4-FFF2-40B4-BE49-F238E27FC236}">
-                <a16:creationId xmlns:a16="http://schemas.microsoft.com/office/drawing/2014/main" id="{C81E761A-B771-599A-6E0D-BF4406F06A5E}"/>
+                <a16:creationId xmlns:a16="http://schemas.microsoft.com/office/drawing/2014/main" id="{6087EEF7-CF47-349E-0FD0-2B10076A16B9}"/>
               </a:ext>
             </a:extLst>
           </p:cNvPr>
@@ -5446,59 +5646,22 @@
         </p:nvSpPr>
         <p:spPr>
           <a:xfrm>
-            <a:off x="838200" y="1363581"/>
-            <a:ext cx="10515600" cy="3076074"/>
+            <a:off x="838200" y="1058779"/>
+            <a:ext cx="10515600" cy="1411703"/>
           </a:xfrm>
         </p:spPr>
         <p:txBody>
-          <a:bodyPr>
-            <a:normAutofit fontScale="90000"/>
-          </a:bodyPr>
+          <a:bodyPr/>
           <a:lstStyle/>
           <a:p>
             <a:r>
               <a:rPr lang="en-US" b="1" dirty="0">
                 <a:solidFill>
-                  <a:srgbClr val="C00000"/>
+                  <a:srgbClr val="FF0000"/>
                 </a:solidFill>
               </a:rPr>
-              <a:t>Unsupervised Learning</a:t>
-            </a:r>
-            <a:br>
-              <a:rPr lang="en-IN" dirty="0">
-                <a:solidFill>
-                  <a:srgbClr val="002060"/>
-                </a:solidFill>
-              </a:rPr>
-            </a:br>
-            <a:br>
-              <a:rPr lang="en-IN" dirty="0">
-                <a:solidFill>
-                  <a:srgbClr val="002060"/>
-                </a:solidFill>
-              </a:rPr>
-            </a:br>
-            <a:br>
-              <a:rPr lang="en-US" dirty="0">
-                <a:solidFill>
-                  <a:srgbClr val="002060"/>
-                </a:solidFill>
-              </a:rPr>
-            </a:br>
-            <a:br>
-              <a:rPr lang="en-US" dirty="0">
-                <a:solidFill>
-                  <a:srgbClr val="002060"/>
-                </a:solidFill>
-              </a:rPr>
-            </a:br>
-            <a:br>
-              <a:rPr lang="en-US" dirty="0">
-                <a:solidFill>
-                  <a:srgbClr val="002060"/>
-                </a:solidFill>
-              </a:rPr>
-            </a:br>
+              <a:t>Thank You</a:t>
+            </a:r>
             <a:endParaRPr lang="en-IN" b="1" dirty="0">
               <a:solidFill>
                 <a:srgbClr val="FF0000"/>
@@ -5507,40 +5670,10 @@
           </a:p>
         </p:txBody>
       </p:sp>
-      <p:sp>
-        <p:nvSpPr>
-          <p:cNvPr id="4" name="Content Placeholder 3">
-            <a:extLst>
-              <a:ext uri="{FF2B5EF4-FFF2-40B4-BE49-F238E27FC236}">
-                <a16:creationId xmlns:a16="http://schemas.microsoft.com/office/drawing/2014/main" id="{ED8A8A9C-83F7-2FA5-E8C6-CEA7A3C471CB}"/>
-              </a:ext>
-            </a:extLst>
-          </p:cNvPr>
-          <p:cNvSpPr>
-            <a:spLocks noGrp="1"/>
-          </p:cNvSpPr>
-          <p:nvPr>
-            <p:ph idx="1"/>
-          </p:nvPr>
-        </p:nvSpPr>
-        <p:spPr>
-          <a:xfrm>
-            <a:off x="838200" y="2261937"/>
-            <a:ext cx="10515600" cy="3915026"/>
-          </a:xfrm>
-        </p:spPr>
-        <p:txBody>
-          <a:bodyPr/>
-          <a:lstStyle/>
-          <a:p>
-            <a:endParaRPr lang="en-IN" dirty="0"/>
-          </a:p>
-        </p:txBody>
-      </p:sp>
     </p:spTree>
     <p:extLst>
       <p:ext uri="{BB962C8B-B14F-4D97-AF65-F5344CB8AC3E}">
-        <p14:creationId xmlns:p14="http://schemas.microsoft.com/office/powerpoint/2010/main" val="3334215418"/>
+        <p14:creationId xmlns:p14="http://schemas.microsoft.com/office/powerpoint/2010/main" val="1255606367"/>
       </p:ext>
     </p:extLst>
   </p:cSld>
